--- a/presentations/slides.pptx
+++ b/presentations/slides.pptx
@@ -4,6 +4,9 @@
   <p:sldMasterIdLst>
     <p:sldMasterId id="2147483648" r:id="rId1"/>
   </p:sldMasterIdLst>
+  <p:notesMasterIdLst>
+    <p:notesMasterId r:id="rId14"/>
+  </p:notesMasterIdLst>
   <p:sldIdLst>
     <p:sldId id="256" r:id="rId2"/>
     <p:sldId id="257" r:id="rId3"/>
@@ -115,7 +118,570 @@
       </a:defRPr>
     </a:lvl9pPr>
   </p:defaultTextStyle>
+  <p:extLst>
+    <p:ext uri="{EFAFB233-063F-42B5-8137-9DF3F51BA10A}">
+      <p15:sldGuideLst xmlns:p15="http://schemas.microsoft.com/office/powerpoint/2012/main"/>
+    </p:ext>
+  </p:extLst>
 </p:presentation>
+</file>
+
+<file path=ppt/ink/ink1.xml><?xml version="1.0" encoding="utf-8"?>
+<inkml:ink xmlns:inkml="http://www.w3.org/2003/InkML">
+  <inkml:definitions>
+    <inkml:context xml:id="ctx0">
+      <inkml:inkSource xml:id="inkSrc0">
+        <inkml:traceFormat>
+          <inkml:channel name="X" type="integer" max="2400" units="cm"/>
+          <inkml:channel name="Y" type="integer" max="1600" units="cm"/>
+          <inkml:channel name="T" type="integer" max="2.14748E9" units="dev"/>
+        </inkml:traceFormat>
+        <inkml:channelProperties>
+          <inkml:channelProperty channel="X" name="resolution" value="79.20792" units="1/cm"/>
+          <inkml:channelProperty channel="Y" name="resolution" value="79.20792" units="1/cm"/>
+          <inkml:channelProperty channel="T" name="resolution" value="1" units="1/dev"/>
+        </inkml:channelProperties>
+      </inkml:inkSource>
+      <inkml:timestamp xml:id="ts0" timeString="2024-06-11T20:32:22.737"/>
+    </inkml:context>
+    <inkml:brush xml:id="br0">
+      <inkml:brushProperty name="width" value="0.08819" units="cm"/>
+      <inkml:brushProperty name="height" value="0.35278" units="cm"/>
+      <inkml:brushProperty name="color" value="#FFFF00"/>
+      <inkml:brushProperty name="tip" value="rectangle"/>
+      <inkml:brushProperty name="rasterOp" value="maskPen"/>
+    </inkml:brush>
+  </inkml:definitions>
+  <inkml:trace contextRef="#ctx0" brushRef="#br0">16405 15303 0</inkml:trace>
+</inkml:ink>
+</file>
+
+<file path=ppt/ink/inkAction1.xml><?xml version="1.0" encoding="utf-8"?>
+<iact:actions xmlns:iact="http://schemas.microsoft.com/office/powerpoint/2014/inkAction" lengthUnit="cm" timeUnit="ms">
+  <inkml:definitions xmlns:inkml="http://www.w3.org/2003/InkML">
+    <inkml:context xml:id="ctx0">
+      <inkml:inkSource xml:id="inkSrc0">
+        <inkml:traceFormat>
+          <inkml:channel name="X" type="integer" max="2400" units="cm"/>
+          <inkml:channel name="Y" type="integer" max="1600" units="cm"/>
+          <inkml:channel name="T" type="integer" max="2.14748E9" units="dev"/>
+        </inkml:traceFormat>
+        <inkml:channelProperties>
+          <inkml:channelProperty channel="X" name="resolution" value="79.20792" units="1/cm"/>
+          <inkml:channelProperty channel="Y" name="resolution" value="79.20792" units="1/cm"/>
+          <inkml:channelProperty channel="T" name="resolution" value="1" units="1/dev"/>
+        </inkml:channelProperties>
+      </inkml:inkSource>
+      <inkml:timestamp xml:id="ts0" timeString="2024-06-11T21:04:56.517"/>
+    </inkml:context>
+    <inkml:brush xml:id="br0">
+      <inkml:brushProperty name="width" value="0.05292" units="cm"/>
+      <inkml:brushProperty name="height" value="0.05292" units="cm"/>
+      <inkml:brushProperty name="color" value="#C00000"/>
+    </inkml:brush>
+    <inkml:brush xml:id="br1">
+      <inkml:brushProperty name="width" value="0.055" units="cm"/>
+      <inkml:brushProperty name="height" value="0.055" units="cm"/>
+    </inkml:brush>
+  </inkml:definitions>
+  <iact:action type="add" startTime="10471">
+    <iact:property name="dataType"/>
+    <iact:actionData xml:id="d0">
+      <inkml:trace xmlns:inkml="http://www.w3.org/2003/InkML" xml:id="stk0" contextRef="#ctx0" brushRef="#br0">9969 14326 0,'-52'0'190,"-133"0"-159,-105-26 3,237 26-32,-211-105 38,185 52-39,-237-79 36,184 105-35,53 1-2,0-27 42,-185-52-39,132 52 52,53 0-53,53 53 42,26-53-16,-27-184-26,27 211 28,27-54-28,210-78 34,-158 105-34,0 27 48,528-53-48,-185 79 34,-27 0 17,80 105-51,-290 27 64,-80 0-64,-105-105 45,132 157-45,-132-157 20,27 52-20,-1 26 38,0 27-38,-26-105 12,0 25-13,0 133 28,-105-53 9,26-53-37,-370 106 72,159-238-71,158-26 63,53 26-63,53 53 27,-1 0-27,-52-79 38</inkml:trace>
+    </iact:actionData>
+  </iact:action>
+  <iact:action type="remove" startTime="13415">
+    <iact:property name="style" value="instant"/>
+    <iact:actionData xml:id="d1" ref="#d0"/>
+  </iact:action>
+  <iact:action type="add" startTime="13185">
+    <iact:property name="dataType" value="strokeEraser"/>
+    <iact:actionData xml:id="d2">
+      <inkml:trace xmlns:inkml="http://www.w3.org/2003/InkML" xml:id="stk1" contextRef="#ctx0" brushRef="#br1">26745 30870 0,'-53'27'135,"1"-1"-127,-159 133 2,-53 25 9,106-25-11,-27-107-2,53 28 1,0 25 1,-132 53 1,133-52 4,25-1-4,-316 318 12,237-239-14,-210 133 0,210-212 7,1 1-11,104-53 9,-51 26-10,78-53 9,26 1-3,-25-1 0,25-26 1</inkml:trace>
+    </iact:actionData>
+  </iact:action>
+</iact:actions>
+</file>
+
+<file path=ppt/ink/inkAction2.xml><?xml version="1.0" encoding="utf-8"?>
+<iact:actions xmlns:iact="http://schemas.microsoft.com/office/powerpoint/2014/inkAction" lengthUnit="cm" timeUnit="ms">
+  <inkml:definitions xmlns:inkml="http://www.w3.org/2003/InkML">
+    <inkml:context xml:id="ctx0">
+      <inkml:inkSource xml:id="inkSrc0">
+        <inkml:traceFormat>
+          <inkml:channel name="X" type="integer" max="2400" units="cm"/>
+          <inkml:channel name="Y" type="integer" max="1600" units="cm"/>
+          <inkml:channel name="T" type="integer" max="2.14748E9" units="dev"/>
+        </inkml:traceFormat>
+        <inkml:channelProperties>
+          <inkml:channelProperty channel="X" name="resolution" value="79.20792" units="1/cm"/>
+          <inkml:channelProperty channel="Y" name="resolution" value="79.20792" units="1/cm"/>
+          <inkml:channelProperty channel="T" name="resolution" value="1" units="1/dev"/>
+        </inkml:channelProperties>
+      </inkml:inkSource>
+      <inkml:timestamp xml:id="ts0" timeString="2024-06-11T21:04:56.517"/>
+    </inkml:context>
+    <inkml:brush xml:id="br0">
+      <inkml:brushProperty name="width" value="0.05292" units="cm"/>
+      <inkml:brushProperty name="height" value="0.05292" units="cm"/>
+      <inkml:brushProperty name="color" value="#C00000"/>
+    </inkml:brush>
+    <inkml:brush xml:id="br1">
+      <inkml:brushProperty name="width" value="0.055" units="cm"/>
+      <inkml:brushProperty name="height" value="0.055" units="cm"/>
+    </inkml:brush>
+  </inkml:definitions>
+  <iact:action type="add" startTime="19941">
+    <iact:property name="dataType"/>
+    <iact:actionData xml:id="d0">
+      <inkml:trace xmlns:inkml="http://www.w3.org/2003/InkML" xml:id="stk0" contextRef="#ctx0" brushRef="#br0">25136 5567 0,'211'52'176,"-80"-25"-142,-78 26-32,26-1 35,238 344-35,105 79 58,-317-317-59,80 1 66,-53 105-65,-132-212 28,26 502-28,-26-395 29,0 157-30,-79-131 40,53-106-39,-1-26-2,-210 316 64,-27 27-62,27-106 61,184-263-60,27-1 26,-132-79-26,-106-369 36,211 343-36,-53-185 23,54 132-23,-1 27 30,53 78-30,-26-157 34,-27-107-1,53 212-32,0-26 2,0 26-6,0-185 46,26 79-43,-26 106 36,106-211-36,-54 105 18,28 79-20,25-237 54,-52 132-53,-27 132 40,1-158-40,-1 131 39,-26 80-39,0-1-1,26-25 57,1-80-56</inkml:trace>
+    </iact:actionData>
+  </iact:action>
+  <iact:action type="remove" startTime="23601">
+    <iact:property name="style" value="instant"/>
+    <iact:actionData xml:id="d1" ref="#d0"/>
+  </iact:action>
+  <iact:action type="add" startTime="23446">
+    <iact:property name="dataType" value="strokeEraser"/>
+    <iact:actionData xml:id="d2">
+      <inkml:trace xmlns:inkml="http://www.w3.org/2003/InkML" xml:id="stk1" contextRef="#ctx0" brushRef="#br1">42175 24380 0,'-158'105'116,"-80"54"-107,54-1-1,-265 159 1,265-212 7,-54 106-16,1 27 9,-159 78-4,133-78 5,-133 131-2,53-79 1,53-26-1,-449 396 1,265-238-1,184-132 0,-1-52-1,54-27 3,26-53-2,-106 53 1,265-184 1,-1-1-5</inkml:trace>
+    </iact:actionData>
+  </iact:action>
+</iact:actions>
+</file>
+
+<file path=ppt/notesMasters/notesMaster1.xml><?xml version="1.0" encoding="utf-8"?>
+<p:notesMaster xmlns:a="http://schemas.openxmlformats.org/drawingml/2006/main" xmlns:r="http://schemas.openxmlformats.org/officeDocument/2006/relationships" xmlns:p="http://schemas.openxmlformats.org/presentationml/2006/main">
+  <p:cSld>
+    <p:bg>
+      <p:bgRef idx="1001">
+        <a:schemeClr val="bg1"/>
+      </p:bgRef>
+    </p:bg>
+    <p:spTree>
+      <p:nvGrpSpPr>
+        <p:cNvPr id="1" name=""/>
+        <p:cNvGrpSpPr/>
+        <p:nvPr/>
+      </p:nvGrpSpPr>
+      <p:grpSpPr>
+        <a:xfrm>
+          <a:off x="0" y="0"/>
+          <a:ext cx="0" cy="0"/>
+          <a:chOff x="0" y="0"/>
+          <a:chExt cx="0" cy="0"/>
+        </a:xfrm>
+      </p:grpSpPr>
+      <p:sp>
+        <p:nvSpPr>
+          <p:cNvPr id="2" name="Header Placeholder 1"/>
+          <p:cNvSpPr>
+            <a:spLocks noGrp="1"/>
+          </p:cNvSpPr>
+          <p:nvPr>
+            <p:ph type="hdr" sz="quarter"/>
+          </p:nvPr>
+        </p:nvSpPr>
+        <p:spPr>
+          <a:xfrm>
+            <a:off x="0" y="0"/>
+            <a:ext cx="2971800" cy="458788"/>
+          </a:xfrm>
+          <a:prstGeom prst="rect">
+            <a:avLst/>
+          </a:prstGeom>
+        </p:spPr>
+        <p:txBody>
+          <a:bodyPr vert="horz" lIns="91440" tIns="45720" rIns="91440" bIns="45720" rtlCol="0"/>
+          <a:lstStyle>
+            <a:lvl1pPr algn="l">
+              <a:defRPr sz="1200"/>
+            </a:lvl1pPr>
+          </a:lstStyle>
+          <a:p>
+            <a:endParaRPr lang="en-GB"/>
+          </a:p>
+        </p:txBody>
+      </p:sp>
+      <p:sp>
+        <p:nvSpPr>
+          <p:cNvPr id="3" name="Date Placeholder 2"/>
+          <p:cNvSpPr>
+            <a:spLocks noGrp="1"/>
+          </p:cNvSpPr>
+          <p:nvPr>
+            <p:ph type="dt" idx="1"/>
+          </p:nvPr>
+        </p:nvSpPr>
+        <p:spPr>
+          <a:xfrm>
+            <a:off x="3884613" y="0"/>
+            <a:ext cx="2971800" cy="458788"/>
+          </a:xfrm>
+          <a:prstGeom prst="rect">
+            <a:avLst/>
+          </a:prstGeom>
+        </p:spPr>
+        <p:txBody>
+          <a:bodyPr vert="horz" lIns="91440" tIns="45720" rIns="91440" bIns="45720" rtlCol="0"/>
+          <a:lstStyle>
+            <a:lvl1pPr algn="r">
+              <a:defRPr sz="1200"/>
+            </a:lvl1pPr>
+          </a:lstStyle>
+          <a:p>
+            <a:fld id="{E9996186-DBBA-4D96-AE4F-21ACB422739D}" type="datetimeFigureOut">
+              <a:rPr lang="en-GB" smtClean="0"/>
+              <a:t>11/06/2024</a:t>
+            </a:fld>
+            <a:endParaRPr lang="en-GB"/>
+          </a:p>
+        </p:txBody>
+      </p:sp>
+      <p:sp>
+        <p:nvSpPr>
+          <p:cNvPr id="4" name="Slide Image Placeholder 3"/>
+          <p:cNvSpPr>
+            <a:spLocks noGrp="1" noRot="1" noChangeAspect="1"/>
+          </p:cNvSpPr>
+          <p:nvPr>
+            <p:ph type="sldImg" idx="2"/>
+          </p:nvPr>
+        </p:nvSpPr>
+        <p:spPr>
+          <a:xfrm>
+            <a:off x="685800" y="1143000"/>
+            <a:ext cx="5486400" cy="3086100"/>
+          </a:xfrm>
+          <a:prstGeom prst="rect">
+            <a:avLst/>
+          </a:prstGeom>
+          <a:noFill/>
+          <a:ln w="12700">
+            <a:solidFill>
+              <a:prstClr val="black"/>
+            </a:solidFill>
+          </a:ln>
+        </p:spPr>
+        <p:txBody>
+          <a:bodyPr vert="horz" lIns="91440" tIns="45720" rIns="91440" bIns="45720" rtlCol="0" anchor="ctr"/>
+          <a:lstStyle/>
+          <a:p>
+            <a:endParaRPr lang="en-GB"/>
+          </a:p>
+        </p:txBody>
+      </p:sp>
+      <p:sp>
+        <p:nvSpPr>
+          <p:cNvPr id="5" name="Notes Placeholder 4"/>
+          <p:cNvSpPr>
+            <a:spLocks noGrp="1"/>
+          </p:cNvSpPr>
+          <p:nvPr>
+            <p:ph type="body" sz="quarter" idx="3"/>
+          </p:nvPr>
+        </p:nvSpPr>
+        <p:spPr>
+          <a:xfrm>
+            <a:off x="685800" y="4400550"/>
+            <a:ext cx="5486400" cy="3600450"/>
+          </a:xfrm>
+          <a:prstGeom prst="rect">
+            <a:avLst/>
+          </a:prstGeom>
+        </p:spPr>
+        <p:txBody>
+          <a:bodyPr vert="horz" lIns="91440" tIns="45720" rIns="91440" bIns="45720" rtlCol="0"/>
+          <a:lstStyle/>
+          <a:p>
+            <a:pPr lvl="0"/>
+            <a:r>
+              <a:rPr lang="en-US"/>
+              <a:t>Click to edit Master text styles</a:t>
+            </a:r>
+          </a:p>
+          <a:p>
+            <a:pPr lvl="1"/>
+            <a:r>
+              <a:rPr lang="en-US"/>
+              <a:t>Second level</a:t>
+            </a:r>
+          </a:p>
+          <a:p>
+            <a:pPr lvl="2"/>
+            <a:r>
+              <a:rPr lang="en-US"/>
+              <a:t>Third level</a:t>
+            </a:r>
+          </a:p>
+          <a:p>
+            <a:pPr lvl="3"/>
+            <a:r>
+              <a:rPr lang="en-US"/>
+              <a:t>Fourth level</a:t>
+            </a:r>
+          </a:p>
+          <a:p>
+            <a:pPr lvl="4"/>
+            <a:r>
+              <a:rPr lang="en-US"/>
+              <a:t>Fifth level</a:t>
+            </a:r>
+            <a:endParaRPr lang="en-GB"/>
+          </a:p>
+        </p:txBody>
+      </p:sp>
+      <p:sp>
+        <p:nvSpPr>
+          <p:cNvPr id="6" name="Footer Placeholder 5"/>
+          <p:cNvSpPr>
+            <a:spLocks noGrp="1"/>
+          </p:cNvSpPr>
+          <p:nvPr>
+            <p:ph type="ftr" sz="quarter" idx="4"/>
+          </p:nvPr>
+        </p:nvSpPr>
+        <p:spPr>
+          <a:xfrm>
+            <a:off x="0" y="8685213"/>
+            <a:ext cx="2971800" cy="458787"/>
+          </a:xfrm>
+          <a:prstGeom prst="rect">
+            <a:avLst/>
+          </a:prstGeom>
+        </p:spPr>
+        <p:txBody>
+          <a:bodyPr vert="horz" lIns="91440" tIns="45720" rIns="91440" bIns="45720" rtlCol="0" anchor="b"/>
+          <a:lstStyle>
+            <a:lvl1pPr algn="l">
+              <a:defRPr sz="1200"/>
+            </a:lvl1pPr>
+          </a:lstStyle>
+          <a:p>
+            <a:endParaRPr lang="en-GB"/>
+          </a:p>
+        </p:txBody>
+      </p:sp>
+      <p:sp>
+        <p:nvSpPr>
+          <p:cNvPr id="7" name="Slide Number Placeholder 6"/>
+          <p:cNvSpPr>
+            <a:spLocks noGrp="1"/>
+          </p:cNvSpPr>
+          <p:nvPr>
+            <p:ph type="sldNum" sz="quarter" idx="5"/>
+          </p:nvPr>
+        </p:nvSpPr>
+        <p:spPr>
+          <a:xfrm>
+            <a:off x="3884613" y="8685213"/>
+            <a:ext cx="2971800" cy="458787"/>
+          </a:xfrm>
+          <a:prstGeom prst="rect">
+            <a:avLst/>
+          </a:prstGeom>
+        </p:spPr>
+        <p:txBody>
+          <a:bodyPr vert="horz" lIns="91440" tIns="45720" rIns="91440" bIns="45720" rtlCol="0" anchor="b"/>
+          <a:lstStyle>
+            <a:lvl1pPr algn="r">
+              <a:defRPr sz="1200"/>
+            </a:lvl1pPr>
+          </a:lstStyle>
+          <a:p>
+            <a:fld id="{3B103CE5-13A4-48C1-B603-95BD35959121}" type="slidenum">
+              <a:rPr lang="en-GB" smtClean="0"/>
+              <a:t>‹#›</a:t>
+            </a:fld>
+            <a:endParaRPr lang="en-GB"/>
+          </a:p>
+        </p:txBody>
+      </p:sp>
+    </p:spTree>
+    <p:extLst>
+      <p:ext uri="{BB962C8B-B14F-4D97-AF65-F5344CB8AC3E}">
+        <p14:creationId xmlns:p14="http://schemas.microsoft.com/office/powerpoint/2010/main" val="3821033647"/>
+      </p:ext>
+    </p:extLst>
+  </p:cSld>
+  <p:clrMap bg1="lt1" tx1="dk1" bg2="lt2" tx2="dk2" accent1="accent1" accent2="accent2" accent3="accent3" accent4="accent4" accent5="accent5" accent6="accent6" hlink="hlink" folHlink="folHlink"/>
+  <p:notesStyle>
+    <a:lvl1pPr marL="0" algn="l" defTabSz="914400" rtl="0" eaLnBrk="1" latinLnBrk="0" hangingPunct="1">
+      <a:defRPr sz="1200" kern="1200">
+        <a:solidFill>
+          <a:schemeClr val="tx1"/>
+        </a:solidFill>
+        <a:latin typeface="+mn-lt"/>
+        <a:ea typeface="+mn-ea"/>
+        <a:cs typeface="+mn-cs"/>
+      </a:defRPr>
+    </a:lvl1pPr>
+    <a:lvl2pPr marL="457200" algn="l" defTabSz="914400" rtl="0" eaLnBrk="1" latinLnBrk="0" hangingPunct="1">
+      <a:defRPr sz="1200" kern="1200">
+        <a:solidFill>
+          <a:schemeClr val="tx1"/>
+        </a:solidFill>
+        <a:latin typeface="+mn-lt"/>
+        <a:ea typeface="+mn-ea"/>
+        <a:cs typeface="+mn-cs"/>
+      </a:defRPr>
+    </a:lvl2pPr>
+    <a:lvl3pPr marL="914400" algn="l" defTabSz="914400" rtl="0" eaLnBrk="1" latinLnBrk="0" hangingPunct="1">
+      <a:defRPr sz="1200" kern="1200">
+        <a:solidFill>
+          <a:schemeClr val="tx1"/>
+        </a:solidFill>
+        <a:latin typeface="+mn-lt"/>
+        <a:ea typeface="+mn-ea"/>
+        <a:cs typeface="+mn-cs"/>
+      </a:defRPr>
+    </a:lvl3pPr>
+    <a:lvl4pPr marL="1371600" algn="l" defTabSz="914400" rtl="0" eaLnBrk="1" latinLnBrk="0" hangingPunct="1">
+      <a:defRPr sz="1200" kern="1200">
+        <a:solidFill>
+          <a:schemeClr val="tx1"/>
+        </a:solidFill>
+        <a:latin typeface="+mn-lt"/>
+        <a:ea typeface="+mn-ea"/>
+        <a:cs typeface="+mn-cs"/>
+      </a:defRPr>
+    </a:lvl4pPr>
+    <a:lvl5pPr marL="1828800" algn="l" defTabSz="914400" rtl="0" eaLnBrk="1" latinLnBrk="0" hangingPunct="1">
+      <a:defRPr sz="1200" kern="1200">
+        <a:solidFill>
+          <a:schemeClr val="tx1"/>
+        </a:solidFill>
+        <a:latin typeface="+mn-lt"/>
+        <a:ea typeface="+mn-ea"/>
+        <a:cs typeface="+mn-cs"/>
+      </a:defRPr>
+    </a:lvl5pPr>
+    <a:lvl6pPr marL="2286000" algn="l" defTabSz="914400" rtl="0" eaLnBrk="1" latinLnBrk="0" hangingPunct="1">
+      <a:defRPr sz="1200" kern="1200">
+        <a:solidFill>
+          <a:schemeClr val="tx1"/>
+        </a:solidFill>
+        <a:latin typeface="+mn-lt"/>
+        <a:ea typeface="+mn-ea"/>
+        <a:cs typeface="+mn-cs"/>
+      </a:defRPr>
+    </a:lvl6pPr>
+    <a:lvl7pPr marL="2743200" algn="l" defTabSz="914400" rtl="0" eaLnBrk="1" latinLnBrk="0" hangingPunct="1">
+      <a:defRPr sz="1200" kern="1200">
+        <a:solidFill>
+          <a:schemeClr val="tx1"/>
+        </a:solidFill>
+        <a:latin typeface="+mn-lt"/>
+        <a:ea typeface="+mn-ea"/>
+        <a:cs typeface="+mn-cs"/>
+      </a:defRPr>
+    </a:lvl7pPr>
+    <a:lvl8pPr marL="3200400" algn="l" defTabSz="914400" rtl="0" eaLnBrk="1" latinLnBrk="0" hangingPunct="1">
+      <a:defRPr sz="1200" kern="1200">
+        <a:solidFill>
+          <a:schemeClr val="tx1"/>
+        </a:solidFill>
+        <a:latin typeface="+mn-lt"/>
+        <a:ea typeface="+mn-ea"/>
+        <a:cs typeface="+mn-cs"/>
+      </a:defRPr>
+    </a:lvl8pPr>
+    <a:lvl9pPr marL="3657600" algn="l" defTabSz="914400" rtl="0" eaLnBrk="1" latinLnBrk="0" hangingPunct="1">
+      <a:defRPr sz="1200" kern="1200">
+        <a:solidFill>
+          <a:schemeClr val="tx1"/>
+        </a:solidFill>
+        <a:latin typeface="+mn-lt"/>
+        <a:ea typeface="+mn-ea"/>
+        <a:cs typeface="+mn-cs"/>
+      </a:defRPr>
+    </a:lvl9pPr>
+  </p:notesStyle>
+</p:notesMaster>
+</file>
+
+<file path=ppt/notesSlides/notesSlide1.xml><?xml version="1.0" encoding="utf-8"?>
+<p:notes xmlns:a="http://schemas.openxmlformats.org/drawingml/2006/main" xmlns:r="http://schemas.openxmlformats.org/officeDocument/2006/relationships" xmlns:p="http://schemas.openxmlformats.org/presentationml/2006/main">
+  <p:cSld>
+    <p:spTree>
+      <p:nvGrpSpPr>
+        <p:cNvPr id="1" name=""/>
+        <p:cNvGrpSpPr/>
+        <p:nvPr/>
+      </p:nvGrpSpPr>
+      <p:grpSpPr>
+        <a:xfrm>
+          <a:off x="0" y="0"/>
+          <a:ext cx="0" cy="0"/>
+          <a:chOff x="0" y="0"/>
+          <a:chExt cx="0" cy="0"/>
+        </a:xfrm>
+      </p:grpSpPr>
+      <p:sp>
+        <p:nvSpPr>
+          <p:cNvPr id="2" name="Slide Image Placeholder 1"/>
+          <p:cNvSpPr>
+            <a:spLocks noGrp="1" noRot="1" noChangeAspect="1"/>
+          </p:cNvSpPr>
+          <p:nvPr>
+            <p:ph type="sldImg"/>
+          </p:nvPr>
+        </p:nvSpPr>
+        <p:spPr/>
+      </p:sp>
+      <p:sp>
+        <p:nvSpPr>
+          <p:cNvPr id="3" name="Notes Placeholder 2"/>
+          <p:cNvSpPr>
+            <a:spLocks noGrp="1"/>
+          </p:cNvSpPr>
+          <p:nvPr>
+            <p:ph type="body" idx="1"/>
+          </p:nvPr>
+        </p:nvSpPr>
+        <p:spPr/>
+        <p:txBody>
+          <a:bodyPr/>
+          <a:lstStyle/>
+          <a:p>
+            <a:endParaRPr lang="en-GB"/>
+          </a:p>
+        </p:txBody>
+      </p:sp>
+      <p:sp>
+        <p:nvSpPr>
+          <p:cNvPr id="4" name="Slide Number Placeholder 3"/>
+          <p:cNvSpPr>
+            <a:spLocks noGrp="1"/>
+          </p:cNvSpPr>
+          <p:nvPr>
+            <p:ph type="sldNum" sz="quarter" idx="5"/>
+          </p:nvPr>
+        </p:nvSpPr>
+        <p:spPr/>
+        <p:txBody>
+          <a:bodyPr/>
+          <a:lstStyle/>
+          <a:p>
+            <a:fld id="{3B103CE5-13A4-48C1-B603-95BD35959121}" type="slidenum">
+              <a:rPr lang="en-GB" smtClean="0"/>
+              <a:t>1</a:t>
+            </a:fld>
+            <a:endParaRPr lang="en-GB"/>
+          </a:p>
+        </p:txBody>
+      </p:sp>
+    </p:spTree>
+    <p:extLst>
+      <p:ext uri="{BB962C8B-B14F-4D97-AF65-F5344CB8AC3E}">
+        <p14:creationId xmlns:p14="http://schemas.microsoft.com/office/powerpoint/2010/main" val="1585879288"/>
+      </p:ext>
+    </p:extLst>
+  </p:cSld>
+  <p:clrMapOvr>
+    <a:masterClrMapping/>
+  </p:clrMapOvr>
+</p:notes>
 </file>
 
 <file path=ppt/slideLayouts/slideLayout1.xml><?xml version="1.0" encoding="utf-8"?>
@@ -3423,6 +3989,14 @@
   <p:clrMapOvr>
     <a:masterClrMapping/>
   </p:clrMapOvr>
+  <mc:AlternateContent xmlns:mc="http://schemas.openxmlformats.org/markup-compatibility/2006">
+    <mc:Choice xmlns:p14="http://schemas.microsoft.com/office/powerpoint/2010/main" Requires="p14">
+      <p:transition spd="slow" p14:dur="2000" advTm="7976"/>
+    </mc:Choice>
+    <mc:Fallback>
+      <p:transition spd="slow" advTm="7976"/>
+    </mc:Fallback>
+  </mc:AlternateContent>
 </p:sld>
 </file>
 
@@ -3564,6 +4138,14 @@
   <p:clrMapOvr>
     <a:masterClrMapping/>
   </p:clrMapOvr>
+  <mc:AlternateContent xmlns:mc="http://schemas.openxmlformats.org/markup-compatibility/2006">
+    <mc:Choice xmlns:p14="http://schemas.microsoft.com/office/powerpoint/2010/main" Requires="p14">
+      <p:transition spd="slow" p14:dur="2000" advTm="19465"/>
+    </mc:Choice>
+    <mc:Fallback>
+      <p:transition spd="slow" advTm="19465"/>
+    </mc:Fallback>
+  </mc:AlternateContent>
 </p:sld>
 </file>
 
@@ -3742,6 +4324,14 @@
   <p:clrMapOvr>
     <a:masterClrMapping/>
   </p:clrMapOvr>
+  <mc:AlternateContent xmlns:mc="http://schemas.openxmlformats.org/markup-compatibility/2006">
+    <mc:Choice xmlns:p14="http://schemas.microsoft.com/office/powerpoint/2010/main" Requires="p14">
+      <p:transition spd="slow" p14:dur="2000" advTm="32682"/>
+    </mc:Choice>
+    <mc:Fallback>
+      <p:transition spd="slow" advTm="32682"/>
+    </mc:Fallback>
+  </mc:AlternateContent>
 </p:sld>
 </file>
 
@@ -3853,6 +4443,14 @@
   <p:clrMapOvr>
     <a:masterClrMapping/>
   </p:clrMapOvr>
+  <mc:AlternateContent xmlns:mc="http://schemas.openxmlformats.org/markup-compatibility/2006">
+    <mc:Choice xmlns:p14="http://schemas.microsoft.com/office/powerpoint/2010/main" Requires="p14">
+      <p:transition spd="slow" p14:dur="2000" advTm="18762"/>
+    </mc:Choice>
+    <mc:Fallback>
+      <p:transition spd="slow" advTm="18762"/>
+    </mc:Fallback>
+  </mc:AlternateContent>
 </p:sld>
 </file>
 
@@ -3948,16 +4546,6 @@
             </a:pPr>
             <a:r>
               <a:rPr lang="en-GB" dirty="0"/>
-              <a:t>Data Preparation</a:t>
-            </a:r>
-          </a:p>
-          <a:p>
-            <a:pPr marL="514350" indent="-514350">
-              <a:buFont typeface="+mj-lt"/>
-              <a:buAutoNum type="arabicParenR"/>
-            </a:pPr>
-            <a:r>
-              <a:rPr lang="en-GB" dirty="0"/>
               <a:t>Exploratory Data Analysis</a:t>
             </a:r>
           </a:p>
@@ -4003,6 +4591,14 @@
   <p:clrMapOvr>
     <a:masterClrMapping/>
   </p:clrMapOvr>
+  <mc:AlternateContent xmlns:mc="http://schemas.openxmlformats.org/markup-compatibility/2006">
+    <mc:Choice xmlns:p14="http://schemas.microsoft.com/office/powerpoint/2010/main" Requires="p14">
+      <p:transition spd="slow" p14:dur="2000" advTm="11520"/>
+    </mc:Choice>
+    <mc:Fallback>
+      <p:transition spd="slow" advTm="11520"/>
+    </mc:Fallback>
+  </mc:AlternateContent>
 </p:sld>
 </file>
 
@@ -4103,6 +4699,14 @@
   <p:clrMapOvr>
     <a:masterClrMapping/>
   </p:clrMapOvr>
+  <mc:AlternateContent xmlns:mc="http://schemas.openxmlformats.org/markup-compatibility/2006">
+    <mc:Choice xmlns:p14="http://schemas.microsoft.com/office/powerpoint/2010/main" Requires="p14">
+      <p:transition spd="slow" p14:dur="2000" advTm="11434"/>
+    </mc:Choice>
+    <mc:Fallback>
+      <p:transition spd="slow" advTm="11434"/>
+    </mc:Fallback>
+  </mc:AlternateContent>
 </p:sld>
 </file>
 
@@ -4938,6 +5542,116 @@
           </a:graphicData>
         </a:graphic>
       </p:graphicFrame>
+      <mc:AlternateContent xmlns:mc="http://schemas.openxmlformats.org/markup-compatibility/2006" xmlns:p14="http://schemas.microsoft.com/office/powerpoint/2010/main">
+        <mc:Choice Requires="p14">
+          <p:contentPart p14:bwMode="auto" r:id="rId2">
+            <p14:nvContentPartPr>
+              <p14:cNvPr id="13" name="Ink 12">
+                <a:extLst>
+                  <a:ext uri="{FF2B5EF4-FFF2-40B4-BE49-F238E27FC236}">
+                    <a16:creationId xmlns:a16="http://schemas.microsoft.com/office/drawing/2014/main" id="{AFBA2A68-4D48-3EAB-855C-D32339B3603B}"/>
+                  </a:ext>
+                </a:extLst>
+              </p14:cNvPr>
+              <p14:cNvContentPartPr/>
+              <p14:nvPr/>
+            </p14:nvContentPartPr>
+            <p14:xfrm>
+              <a:off x="5905800" y="5509080"/>
+              <a:ext cx="360" cy="360"/>
+            </p14:xfrm>
+          </p:contentPart>
+        </mc:Choice>
+        <mc:Fallback xmlns="">
+          <p:pic>
+            <p:nvPicPr>
+              <p:cNvPr id="13" name="Ink 12">
+                <a:extLst>
+                  <a:ext uri="{FF2B5EF4-FFF2-40B4-BE49-F238E27FC236}">
+                    <a16:creationId xmlns:a16="http://schemas.microsoft.com/office/drawing/2014/main" id="{AFBA2A68-4D48-3EAB-855C-D32339B3603B}"/>
+                  </a:ext>
+                </a:extLst>
+              </p:cNvPr>
+              <p:cNvPicPr/>
+              <p:nvPr/>
+            </p:nvPicPr>
+            <p:blipFill>
+              <a:blip r:embed="rId3"/>
+              <a:stretch>
+                <a:fillRect/>
+              </a:stretch>
+            </p:blipFill>
+            <p:spPr>
+              <a:xfrm>
+                <a:off x="5889960" y="5445720"/>
+                <a:ext cx="31680" cy="127080"/>
+              </a:xfrm>
+              <a:prstGeom prst="rect">
+                <a:avLst/>
+              </a:prstGeom>
+            </p:spPr>
+          </p:pic>
+        </mc:Fallback>
+      </mc:AlternateContent>
+      <mc:AlternateContent xmlns:mc="http://schemas.openxmlformats.org/markup-compatibility/2006">
+        <mc:Choice xmlns:p14="http://schemas.microsoft.com/office/powerpoint/2010/main" xmlns:iact="http://schemas.microsoft.com/office/powerpoint/2014/inkAction" Requires="p14 iact">
+          <p:contentPart p14:bwMode="auto" r:id="rId4">
+            <p14:nvContentPartPr>
+              <p14:cNvPr id="6" name="Ink 5">
+                <a:extLst>
+                  <a:ext uri="{FF2B5EF4-FFF2-40B4-BE49-F238E27FC236}">
+                    <a16:creationId xmlns:a16="http://schemas.microsoft.com/office/drawing/2014/main" id="{73B61D4F-A3FF-673E-7C13-B9BB6E90734F}"/>
+                  </a:ext>
+                </a:extLst>
+              </p14:cNvPr>
+              <p14:cNvContentPartPr/>
+              <p14:nvPr>
+                <p:extLst>
+                  <p:ext uri="{42D2F446-02D8-4167-A562-619A0277C38B}">
+                    <p15:isNarration xmlns:p15="http://schemas.microsoft.com/office/powerpoint/2012/main" val="1"/>
+                  </p:ext>
+                </p:extLst>
+              </p14:nvPr>
+            </p14:nvContentPartPr>
+            <p14:xfrm>
+              <a:off x="6238439" y="8344619"/>
+              <a:ext cx="2" cy="2"/>
+            </p14:xfrm>
+          </p:contentPart>
+        </mc:Choice>
+        <mc:Fallback>
+          <p:pic>
+            <p:nvPicPr>
+              <p:cNvPr id="6" name="Ink 5">
+                <a:extLst>
+                  <a:ext uri="{FF2B5EF4-FFF2-40B4-BE49-F238E27FC236}">
+                    <a16:creationId xmlns:a16="http://schemas.microsoft.com/office/drawing/2014/main" id="{73B61D4F-A3FF-673E-7C13-B9BB6E90734F}"/>
+                  </a:ext>
+                </a:extLst>
+              </p:cNvPr>
+              <p:cNvPicPr>
+                <a:picLocks noGrp="1" noRot="1" noChangeAspect="1" noMove="1" noResize="1" noEditPoints="1" noAdjustHandles="1" noChangeArrowheads="1" noChangeShapeType="1"/>
+              </p:cNvPicPr>
+              <p:nvPr/>
+            </p:nvPicPr>
+            <p:blipFill>
+              <a:blip r:embed="rId5"/>
+              <a:stretch>
+                <a:fillRect/>
+              </a:stretch>
+            </p:blipFill>
+            <p:spPr>
+              <a:xfrm>
+                <a:off x="6238439" y="8344619"/>
+                <a:ext cx="2" cy="2"/>
+              </a:xfrm>
+              <a:prstGeom prst="rect">
+                <a:avLst/>
+              </a:prstGeom>
+            </p:spPr>
+          </p:pic>
+        </mc:Fallback>
+      </mc:AlternateContent>
     </p:spTree>
     <p:extLst>
       <p:ext uri="{BB962C8B-B14F-4D97-AF65-F5344CB8AC3E}">
@@ -4948,6 +5662,100 @@
   <p:clrMapOvr>
     <a:masterClrMapping/>
   </p:clrMapOvr>
+  <mc:AlternateContent xmlns:mc="http://schemas.openxmlformats.org/markup-compatibility/2006">
+    <mc:Choice xmlns:p14="http://schemas.microsoft.com/office/powerpoint/2010/main" Requires="p14">
+      <p:transition spd="slow" p14:dur="2000" advTm="18102"/>
+    </mc:Choice>
+    <mc:Fallback>
+      <p:transition spd="slow" advTm="18102"/>
+    </mc:Fallback>
+  </mc:AlternateContent>
+  <p:timing>
+    <p:tnLst>
+      <p:par>
+        <p:cTn id="1" dur="indefinite" restart="never" nodeType="tmRoot">
+          <p:childTnLst>
+            <p:seq concurrent="1" nextAc="seek">
+              <p:cTn id="2" dur="indefinite" nodeType="mainSeq">
+                <p:childTnLst>
+                  <p:par>
+                    <p:cTn id="3" fill="hold">
+                      <p:stCondLst>
+                        <p:cond delay="indefinite"/>
+                        <p:cond evt="onBegin" delay="0">
+                          <p:tn val="2"/>
+                        </p:cond>
+                      </p:stCondLst>
+                      <p:childTnLst>
+                        <p:par>
+                          <p:cTn id="4" fill="hold">
+                            <p:stCondLst>
+                              <p:cond delay="0"/>
+                            </p:stCondLst>
+                            <p:childTnLst>
+                              <p:par>
+                                <p:cTn id="5" presetID="59" presetClass="entr" presetSubtype="0" fill="hold" nodeType="withEffect">
+                                  <p:stCondLst>
+                                    <p:cond delay="0"/>
+                                  </p:stCondLst>
+                                  <p:childTnLst>
+                                    <p:set>
+                                      <p:cBhvr>
+                                        <p:cTn id="6" dur="1" fill="hold">
+                                          <p:stCondLst>
+                                            <p:cond delay="0"/>
+                                          </p:stCondLst>
+                                        </p:cTn>
+                                        <p:tgtEl>
+                                          <p:spTgt spid="6"/>
+                                        </p:tgtEl>
+                                        <p:attrNameLst>
+                                          <p:attrName>style.visibility</p:attrName>
+                                        </p:attrNameLst>
+                                      </p:cBhvr>
+                                      <p:to>
+                                        <p:strVal val="visible"/>
+                                      </p:to>
+                                    </p:set>
+                                    <p:cmd type="call" cmd="playFrom(0.0)">
+                                      <p:cBhvr>
+                                        <p:cTn id="7" dur="1" fill="hold"/>
+                                        <p:tgtEl>
+                                          <p:spTgt spid="6"/>
+                                        </p:tgtEl>
+                                      </p:cBhvr>
+                                    </p:cmd>
+                                  </p:childTnLst>
+                                </p:cTn>
+                              </p:par>
+                            </p:childTnLst>
+                          </p:cTn>
+                        </p:par>
+                      </p:childTnLst>
+                    </p:cTn>
+                  </p:par>
+                </p:childTnLst>
+              </p:cTn>
+              <p:prevCondLst>
+                <p:cond evt="onPrev" delay="0">
+                  <p:tgtEl>
+                    <p:sldTgt/>
+                  </p:tgtEl>
+                </p:cond>
+              </p:prevCondLst>
+              <p:nextCondLst>
+                <p:cond evt="onNext" delay="0">
+                  <p:tgtEl>
+                    <p:sldTgt/>
+                  </p:tgtEl>
+                </p:cond>
+              </p:nextCondLst>
+            </p:seq>
+          </p:childTnLst>
+        </p:cTn>
+      </p:par>
+    </p:tnLst>
+  </p:timing>
 </p:sld>
 </file>
 
@@ -5072,6 +5880,14 @@
   <p:clrMapOvr>
     <a:masterClrMapping/>
   </p:clrMapOvr>
+  <mc:AlternateContent xmlns:mc="http://schemas.openxmlformats.org/markup-compatibility/2006">
+    <mc:Choice xmlns:p14="http://schemas.microsoft.com/office/powerpoint/2010/main" Requires="p14">
+      <p:transition spd="slow" p14:dur="2000" advTm="43144"/>
+    </mc:Choice>
+    <mc:Fallback>
+      <p:transition spd="slow" advTm="43144"/>
+    </mc:Fallback>
+  </mc:AlternateContent>
 </p:sld>
 </file>
 
@@ -5166,6 +5982,14 @@
   <p:clrMapOvr>
     <a:masterClrMapping/>
   </p:clrMapOvr>
+  <mc:AlternateContent xmlns:mc="http://schemas.openxmlformats.org/markup-compatibility/2006">
+    <mc:Choice xmlns:p14="http://schemas.microsoft.com/office/powerpoint/2010/main" Requires="p14">
+      <p:transition spd="slow" p14:dur="2000" advTm="32025"/>
+    </mc:Choice>
+    <mc:Fallback>
+      <p:transition spd="slow" advTm="32025"/>
+    </mc:Fallback>
+  </mc:AlternateContent>
 </p:sld>
 </file>
 
@@ -5260,6 +6084,14 @@
   <p:clrMapOvr>
     <a:masterClrMapping/>
   </p:clrMapOvr>
+  <mc:AlternateContent xmlns:mc="http://schemas.openxmlformats.org/markup-compatibility/2006">
+    <mc:Choice xmlns:p14="http://schemas.microsoft.com/office/powerpoint/2010/main" Requires="p14">
+      <p:transition spd="slow" p14:dur="2000" advTm="16322"/>
+    </mc:Choice>
+    <mc:Fallback>
+      <p:transition spd="slow" advTm="16322"/>
+    </mc:Fallback>
+  </mc:AlternateContent>
 </p:sld>
 </file>
 
@@ -5344,6 +6176,65 @@
           </a:prstGeom>
         </p:spPr>
       </p:pic>
+      <mc:AlternateContent xmlns:mc="http://schemas.openxmlformats.org/markup-compatibility/2006">
+        <mc:Choice xmlns:p14="http://schemas.microsoft.com/office/powerpoint/2010/main" xmlns:iact="http://schemas.microsoft.com/office/powerpoint/2014/inkAction" Requires="p14 iact">
+          <p:contentPart p14:bwMode="auto" r:id="rId3">
+            <p14:nvContentPartPr>
+              <p14:cNvPr id="4" name="Ink 3">
+                <a:extLst>
+                  <a:ext uri="{FF2B5EF4-FFF2-40B4-BE49-F238E27FC236}">
+                    <a16:creationId xmlns:a16="http://schemas.microsoft.com/office/drawing/2014/main" id="{56BA201B-47F6-376B-F7E3-532D7AB5F38D}"/>
+                  </a:ext>
+                </a:extLst>
+              </p14:cNvPr>
+              <p14:cNvContentPartPr/>
+              <p14:nvPr>
+                <p:extLst>
+                  <p:ext uri="{42D2F446-02D8-4167-A562-619A0277C38B}">
+                    <p15:isNarration xmlns:p15="http://schemas.microsoft.com/office/powerpoint/2012/main" val="1"/>
+                  </p:ext>
+                </p:extLst>
+              </p14:nvPr>
+            </p14:nvContentPartPr>
+            <p14:xfrm>
+              <a:off x="12106619" y="6292979"/>
+              <a:ext cx="2" cy="2"/>
+            </p14:xfrm>
+          </p:contentPart>
+        </mc:Choice>
+        <mc:Fallback>
+          <p:pic>
+            <p:nvPicPr>
+              <p:cNvPr id="4" name="Ink 3">
+                <a:extLst>
+                  <a:ext uri="{FF2B5EF4-FFF2-40B4-BE49-F238E27FC236}">
+                    <a16:creationId xmlns:a16="http://schemas.microsoft.com/office/drawing/2014/main" id="{56BA201B-47F6-376B-F7E3-532D7AB5F38D}"/>
+                  </a:ext>
+                </a:extLst>
+              </p:cNvPr>
+              <p:cNvPicPr>
+                <a:picLocks noGrp="1" noRot="1" noChangeAspect="1" noMove="1" noResize="1" noEditPoints="1" noAdjustHandles="1" noChangeArrowheads="1" noChangeShapeType="1"/>
+              </p:cNvPicPr>
+              <p:nvPr/>
+            </p:nvPicPr>
+            <p:blipFill>
+              <a:blip r:embed="rId4"/>
+              <a:stretch>
+                <a:fillRect/>
+              </a:stretch>
+            </p:blipFill>
+            <p:spPr>
+              <a:xfrm>
+                <a:off x="12106619" y="6292979"/>
+                <a:ext cx="2" cy="2"/>
+              </a:xfrm>
+              <a:prstGeom prst="rect">
+                <a:avLst/>
+              </a:prstGeom>
+            </p:spPr>
+          </p:pic>
+        </mc:Fallback>
+      </mc:AlternateContent>
     </p:spTree>
     <p:extLst>
       <p:ext uri="{BB962C8B-B14F-4D97-AF65-F5344CB8AC3E}">
@@ -5354,6 +6245,100 @@
   <p:clrMapOvr>
     <a:masterClrMapping/>
   </p:clrMapOvr>
+  <mc:AlternateContent xmlns:mc="http://schemas.openxmlformats.org/markup-compatibility/2006">
+    <mc:Choice xmlns:p14="http://schemas.microsoft.com/office/powerpoint/2010/main" Requires="p14">
+      <p:transition spd="slow" p14:dur="2000" advTm="38134"/>
+    </mc:Choice>
+    <mc:Fallback>
+      <p:transition spd="slow" advTm="38134"/>
+    </mc:Fallback>
+  </mc:AlternateContent>
+  <p:timing>
+    <p:tnLst>
+      <p:par>
+        <p:cTn id="1" dur="indefinite" restart="never" nodeType="tmRoot">
+          <p:childTnLst>
+            <p:seq concurrent="1" nextAc="seek">
+              <p:cTn id="2" dur="indefinite" nodeType="mainSeq">
+                <p:childTnLst>
+                  <p:par>
+                    <p:cTn id="3" fill="hold">
+                      <p:stCondLst>
+                        <p:cond delay="indefinite"/>
+                        <p:cond evt="onBegin" delay="0">
+                          <p:tn val="2"/>
+                        </p:cond>
+                      </p:stCondLst>
+                      <p:childTnLst>
+                        <p:par>
+                          <p:cTn id="4" fill="hold">
+                            <p:stCondLst>
+                              <p:cond delay="0"/>
+                            </p:stCondLst>
+                            <p:childTnLst>
+                              <p:par>
+                                <p:cTn id="5" presetID="59" presetClass="entr" presetSubtype="0" fill="hold" nodeType="withEffect">
+                                  <p:stCondLst>
+                                    <p:cond delay="0"/>
+                                  </p:stCondLst>
+                                  <p:childTnLst>
+                                    <p:set>
+                                      <p:cBhvr>
+                                        <p:cTn id="6" dur="1" fill="hold">
+                                          <p:stCondLst>
+                                            <p:cond delay="0"/>
+                                          </p:stCondLst>
+                                        </p:cTn>
+                                        <p:tgtEl>
+                                          <p:spTgt spid="4"/>
+                                        </p:tgtEl>
+                                        <p:attrNameLst>
+                                          <p:attrName>style.visibility</p:attrName>
+                                        </p:attrNameLst>
+                                      </p:cBhvr>
+                                      <p:to>
+                                        <p:strVal val="visible"/>
+                                      </p:to>
+                                    </p:set>
+                                    <p:cmd type="call" cmd="playFrom(0.0)">
+                                      <p:cBhvr>
+                                        <p:cTn id="7" dur="1" fill="hold"/>
+                                        <p:tgtEl>
+                                          <p:spTgt spid="4"/>
+                                        </p:tgtEl>
+                                      </p:cBhvr>
+                                    </p:cmd>
+                                  </p:childTnLst>
+                                </p:cTn>
+                              </p:par>
+                            </p:childTnLst>
+                          </p:cTn>
+                        </p:par>
+                      </p:childTnLst>
+                    </p:cTn>
+                  </p:par>
+                </p:childTnLst>
+              </p:cTn>
+              <p:prevCondLst>
+                <p:cond evt="onPrev" delay="0">
+                  <p:tgtEl>
+                    <p:sldTgt/>
+                  </p:tgtEl>
+                </p:cond>
+              </p:prevCondLst>
+              <p:nextCondLst>
+                <p:cond evt="onNext" delay="0">
+                  <p:tgtEl>
+                    <p:sldTgt/>
+                  </p:tgtEl>
+                </p:cond>
+              </p:nextCondLst>
+            </p:seq>
+          </p:childTnLst>
+        </p:cTn>
+      </p:par>
+    </p:tnLst>
+  </p:timing>
 </p:sld>
 </file>
 
@@ -5538,6 +6523,14 @@
   <p:clrMapOvr>
     <a:masterClrMapping/>
   </p:clrMapOvr>
+  <mc:AlternateContent xmlns:mc="http://schemas.openxmlformats.org/markup-compatibility/2006">
+    <mc:Choice xmlns:p14="http://schemas.microsoft.com/office/powerpoint/2010/main" Requires="p14">
+      <p:transition spd="slow" p14:dur="2000" advTm="57496"/>
+    </mc:Choice>
+    <mc:Fallback>
+      <p:transition spd="slow" advTm="57496"/>
+    </mc:Fallback>
+  </mc:AlternateContent>
 </p:sld>
 </file>
 
@@ -5854,4 +6847,319 @@
     </a:ext>
   </a:extLst>
 </a:theme>
+</file>
+
+<file path=ppt/theme/theme2.xml><?xml version="1.0" encoding="utf-8"?>
+<a:theme xmlns:a="http://schemas.openxmlformats.org/drawingml/2006/main" name="Office Theme">
+  <a:themeElements>
+    <a:clrScheme name="Office">
+      <a:dk1>
+        <a:sysClr val="windowText" lastClr="000000"/>
+      </a:dk1>
+      <a:lt1>
+        <a:sysClr val="window" lastClr="FFFFFF"/>
+      </a:lt1>
+      <a:dk2>
+        <a:srgbClr val="0E2841"/>
+      </a:dk2>
+      <a:lt2>
+        <a:srgbClr val="E8E8E8"/>
+      </a:lt2>
+      <a:accent1>
+        <a:srgbClr val="156082"/>
+      </a:accent1>
+      <a:accent2>
+        <a:srgbClr val="E97132"/>
+      </a:accent2>
+      <a:accent3>
+        <a:srgbClr val="196B24"/>
+      </a:accent3>
+      <a:accent4>
+        <a:srgbClr val="0F9ED5"/>
+      </a:accent4>
+      <a:accent5>
+        <a:srgbClr val="A02B93"/>
+      </a:accent5>
+      <a:accent6>
+        <a:srgbClr val="4EA72E"/>
+      </a:accent6>
+      <a:hlink>
+        <a:srgbClr val="467886"/>
+      </a:hlink>
+      <a:folHlink>
+        <a:srgbClr val="96607D"/>
+      </a:folHlink>
+    </a:clrScheme>
+    <a:fontScheme name="Office">
+      <a:majorFont>
+        <a:latin typeface="Aptos Display" panose="02110004020202020204"/>
+        <a:ea typeface=""/>
+        <a:cs typeface=""/>
+        <a:font script="Jpan" typeface="游ゴシック Light"/>
+        <a:font script="Hang" typeface="맑은 고딕"/>
+        <a:font script="Hans" typeface="等线 Light"/>
+        <a:font script="Hant" typeface="新細明體"/>
+        <a:font script="Arab" typeface="Times New Roman"/>
+        <a:font script="Hebr" typeface="Times New Roman"/>
+        <a:font script="Thai" typeface="Angsana New"/>
+        <a:font script="Ethi" typeface="Nyala"/>
+        <a:font script="Beng" typeface="Vrinda"/>
+        <a:font script="Gujr" typeface="Shruti"/>
+        <a:font script="Khmr" typeface="MoolBoran"/>
+        <a:font script="Knda" typeface="Tunga"/>
+        <a:font script="Guru" typeface="Raavi"/>
+        <a:font script="Cans" typeface="Euphemia"/>
+        <a:font script="Cher" typeface="Plantagenet Cherokee"/>
+        <a:font script="Yiii" typeface="Microsoft Yi Baiti"/>
+        <a:font script="Tibt" typeface="Microsoft Himalaya"/>
+        <a:font script="Thaa" typeface="MV Boli"/>
+        <a:font script="Deva" typeface="Mangal"/>
+        <a:font script="Telu" typeface="Gautami"/>
+        <a:font script="Taml" typeface="Latha"/>
+        <a:font script="Syrc" typeface="Estrangelo Edessa"/>
+        <a:font script="Orya" typeface="Kalinga"/>
+        <a:font script="Mlym" typeface="Kartika"/>
+        <a:font script="Laoo" typeface="DokChampa"/>
+        <a:font script="Sinh" typeface="Iskoola Pota"/>
+        <a:font script="Mong" typeface="Mongolian Baiti"/>
+        <a:font script="Viet" typeface="Times New Roman"/>
+        <a:font script="Uigh" typeface="Microsoft Uighur"/>
+        <a:font script="Geor" typeface="Sylfaen"/>
+        <a:font script="Armn" typeface="Arial"/>
+        <a:font script="Bugi" typeface="Leelawadee UI"/>
+        <a:font script="Bopo" typeface="Microsoft JhengHei"/>
+        <a:font script="Java" typeface="Javanese Text"/>
+        <a:font script="Lisu" typeface="Segoe UI"/>
+        <a:font script="Mymr" typeface="Myanmar Text"/>
+        <a:font script="Nkoo" typeface="Ebrima"/>
+        <a:font script="Olck" typeface="Nirmala UI"/>
+        <a:font script="Osma" typeface="Ebrima"/>
+        <a:font script="Phag" typeface="Phagspa"/>
+        <a:font script="Syrn" typeface="Estrangelo Edessa"/>
+        <a:font script="Syrj" typeface="Estrangelo Edessa"/>
+        <a:font script="Syre" typeface="Estrangelo Edessa"/>
+        <a:font script="Sora" typeface="Nirmala UI"/>
+        <a:font script="Tale" typeface="Microsoft Tai Le"/>
+        <a:font script="Talu" typeface="Microsoft New Tai Lue"/>
+        <a:font script="Tfng" typeface="Ebrima"/>
+      </a:majorFont>
+      <a:minorFont>
+        <a:latin typeface="Aptos" panose="02110004020202020204"/>
+        <a:ea typeface=""/>
+        <a:cs typeface=""/>
+        <a:font script="Jpan" typeface="游ゴシック"/>
+        <a:font script="Hang" typeface="맑은 고딕"/>
+        <a:font script="Hans" typeface="等线"/>
+        <a:font script="Hant" typeface="新細明體"/>
+        <a:font script="Arab" typeface="Arial"/>
+        <a:font script="Hebr" typeface="Arial"/>
+        <a:font script="Thai" typeface="Cordia New"/>
+        <a:font script="Ethi" typeface="Nyala"/>
+        <a:font script="Beng" typeface="Vrinda"/>
+        <a:font script="Gujr" typeface="Shruti"/>
+        <a:font script="Khmr" typeface="DaunPenh"/>
+        <a:font script="Knda" typeface="Tunga"/>
+        <a:font script="Guru" typeface="Raavi"/>
+        <a:font script="Cans" typeface="Euphemia"/>
+        <a:font script="Cher" typeface="Plantagenet Cherokee"/>
+        <a:font script="Yiii" typeface="Microsoft Yi Baiti"/>
+        <a:font script="Tibt" typeface="Microsoft Himalaya"/>
+        <a:font script="Thaa" typeface="MV Boli"/>
+        <a:font script="Deva" typeface="Mangal"/>
+        <a:font script="Telu" typeface="Gautami"/>
+        <a:font script="Taml" typeface="Latha"/>
+        <a:font script="Syrc" typeface="Estrangelo Edessa"/>
+        <a:font script="Orya" typeface="Kalinga"/>
+        <a:font script="Mlym" typeface="Kartika"/>
+        <a:font script="Laoo" typeface="DokChampa"/>
+        <a:font script="Sinh" typeface="Iskoola Pota"/>
+        <a:font script="Mong" typeface="Mongolian Baiti"/>
+        <a:font script="Viet" typeface="Arial"/>
+        <a:font script="Uigh" typeface="Microsoft Uighur"/>
+        <a:font script="Geor" typeface="Sylfaen"/>
+        <a:font script="Armn" typeface="Arial"/>
+        <a:font script="Bugi" typeface="Leelawadee UI"/>
+        <a:font script="Bopo" typeface="Microsoft JhengHei"/>
+        <a:font script="Java" typeface="Javanese Text"/>
+        <a:font script="Lisu" typeface="Segoe UI"/>
+        <a:font script="Mymr" typeface="Myanmar Text"/>
+        <a:font script="Nkoo" typeface="Ebrima"/>
+        <a:font script="Olck" typeface="Nirmala UI"/>
+        <a:font script="Osma" typeface="Ebrima"/>
+        <a:font script="Phag" typeface="Phagspa"/>
+        <a:font script="Syrn" typeface="Estrangelo Edessa"/>
+        <a:font script="Syrj" typeface="Estrangelo Edessa"/>
+        <a:font script="Syre" typeface="Estrangelo Edessa"/>
+        <a:font script="Sora" typeface="Nirmala UI"/>
+        <a:font script="Tale" typeface="Microsoft Tai Le"/>
+        <a:font script="Talu" typeface="Microsoft New Tai Lue"/>
+        <a:font script="Tfng" typeface="Ebrima"/>
+      </a:minorFont>
+    </a:fontScheme>
+    <a:fmtScheme name="Office">
+      <a:fillStyleLst>
+        <a:solidFill>
+          <a:schemeClr val="phClr"/>
+        </a:solidFill>
+        <a:gradFill rotWithShape="1">
+          <a:gsLst>
+            <a:gs pos="0">
+              <a:schemeClr val="phClr">
+                <a:lumMod val="110000"/>
+                <a:satMod val="105000"/>
+                <a:tint val="67000"/>
+              </a:schemeClr>
+            </a:gs>
+            <a:gs pos="50000">
+              <a:schemeClr val="phClr">
+                <a:lumMod val="105000"/>
+                <a:satMod val="103000"/>
+                <a:tint val="73000"/>
+              </a:schemeClr>
+            </a:gs>
+            <a:gs pos="100000">
+              <a:schemeClr val="phClr">
+                <a:lumMod val="105000"/>
+                <a:satMod val="109000"/>
+                <a:tint val="81000"/>
+              </a:schemeClr>
+            </a:gs>
+          </a:gsLst>
+          <a:lin ang="5400000" scaled="0"/>
+        </a:gradFill>
+        <a:gradFill rotWithShape="1">
+          <a:gsLst>
+            <a:gs pos="0">
+              <a:schemeClr val="phClr">
+                <a:satMod val="103000"/>
+                <a:lumMod val="102000"/>
+                <a:tint val="94000"/>
+              </a:schemeClr>
+            </a:gs>
+            <a:gs pos="50000">
+              <a:schemeClr val="phClr">
+                <a:satMod val="110000"/>
+                <a:lumMod val="100000"/>
+                <a:shade val="100000"/>
+              </a:schemeClr>
+            </a:gs>
+            <a:gs pos="100000">
+              <a:schemeClr val="phClr">
+                <a:lumMod val="99000"/>
+                <a:satMod val="120000"/>
+                <a:shade val="78000"/>
+              </a:schemeClr>
+            </a:gs>
+          </a:gsLst>
+          <a:lin ang="5400000" scaled="0"/>
+        </a:gradFill>
+      </a:fillStyleLst>
+      <a:lnStyleLst>
+        <a:ln w="12700" cap="flat" cmpd="sng" algn="ctr">
+          <a:solidFill>
+            <a:schemeClr val="phClr"/>
+          </a:solidFill>
+          <a:prstDash val="solid"/>
+          <a:miter lim="800000"/>
+        </a:ln>
+        <a:ln w="19050" cap="flat" cmpd="sng" algn="ctr">
+          <a:solidFill>
+            <a:schemeClr val="phClr"/>
+          </a:solidFill>
+          <a:prstDash val="solid"/>
+          <a:miter lim="800000"/>
+        </a:ln>
+        <a:ln w="25400" cap="flat" cmpd="sng" algn="ctr">
+          <a:solidFill>
+            <a:schemeClr val="phClr"/>
+          </a:solidFill>
+          <a:prstDash val="solid"/>
+          <a:miter lim="800000"/>
+        </a:ln>
+      </a:lnStyleLst>
+      <a:effectStyleLst>
+        <a:effectStyle>
+          <a:effectLst/>
+        </a:effectStyle>
+        <a:effectStyle>
+          <a:effectLst/>
+        </a:effectStyle>
+        <a:effectStyle>
+          <a:effectLst>
+            <a:outerShdw blurRad="57150" dist="19050" dir="5400000" algn="ctr" rotWithShape="0">
+              <a:srgbClr val="000000">
+                <a:alpha val="63000"/>
+              </a:srgbClr>
+            </a:outerShdw>
+          </a:effectLst>
+        </a:effectStyle>
+      </a:effectStyleLst>
+      <a:bgFillStyleLst>
+        <a:solidFill>
+          <a:schemeClr val="phClr"/>
+        </a:solidFill>
+        <a:solidFill>
+          <a:schemeClr val="phClr">
+            <a:tint val="95000"/>
+            <a:satMod val="170000"/>
+          </a:schemeClr>
+        </a:solidFill>
+        <a:gradFill rotWithShape="1">
+          <a:gsLst>
+            <a:gs pos="0">
+              <a:schemeClr val="phClr">
+                <a:tint val="93000"/>
+                <a:satMod val="150000"/>
+                <a:shade val="98000"/>
+                <a:lumMod val="102000"/>
+              </a:schemeClr>
+            </a:gs>
+            <a:gs pos="50000">
+              <a:schemeClr val="phClr">
+                <a:tint val="98000"/>
+                <a:satMod val="130000"/>
+                <a:shade val="90000"/>
+                <a:lumMod val="103000"/>
+              </a:schemeClr>
+            </a:gs>
+            <a:gs pos="100000">
+              <a:schemeClr val="phClr">
+                <a:shade val="63000"/>
+                <a:satMod val="120000"/>
+              </a:schemeClr>
+            </a:gs>
+          </a:gsLst>
+          <a:lin ang="5400000" scaled="0"/>
+        </a:gradFill>
+      </a:bgFillStyleLst>
+    </a:fmtScheme>
+  </a:themeElements>
+  <a:objectDefaults>
+    <a:lnDef>
+      <a:spPr/>
+      <a:bodyPr/>
+      <a:lstStyle/>
+      <a:style>
+        <a:lnRef idx="2">
+          <a:schemeClr val="accent1"/>
+        </a:lnRef>
+        <a:fillRef idx="0">
+          <a:schemeClr val="accent1"/>
+        </a:fillRef>
+        <a:effectRef idx="1">
+          <a:schemeClr val="accent1"/>
+        </a:effectRef>
+        <a:fontRef idx="minor">
+          <a:schemeClr val="tx1"/>
+        </a:fontRef>
+      </a:style>
+    </a:lnDef>
+  </a:objectDefaults>
+  <a:extraClrSchemeLst/>
+  <a:extLst>
+    <a:ext uri="{05A4C25C-085E-4340-85A3-A5531E510DB2}">
+      <thm15:themeFamily xmlns:thm15="http://schemas.microsoft.com/office/thememl/2012/main" name="Office Theme" id="{2E142A2C-CD16-42D6-873A-C26D2A0506FA}" vid="{1BDDFF52-6CD6-40A5-AB3C-68EB2F1E4D0A}"/>
+    </a:ext>
+  </a:extLst>
+</a:theme>
 </file>